--- a/students/K3240/Baban_Viсtoria/LR_1/K3240_Бабан_Виктория_ЛР1.pptx
+++ b/students/K3240/Baban_Viсtoria/LR_1/K3240_Бабан_Виктория_ЛР1.pptx
@@ -6741,7 +6741,7 @@
             <a:fld id="{19412975-4CFD-C441-A244-B7FD9A9579C2}" type="datetimeFigureOut">
               <a:rPr lang="en-US" smtClean="0"/>
               <a:pPr/>
-              <a:t>10/18/2021</a:t>
+              <a:t>11/17/2021</a:t>
             </a:fld>
             <a:endParaRPr lang="en-US"/>
           </a:p>
@@ -6909,7 +6909,7 @@
             <a:fld id="{6DAFD1C8-470D-774F-8B40-381C3059BD4A}" type="datetimeFigureOut">
               <a:rPr lang="en-US" smtClean="0"/>
               <a:pPr/>
-              <a:t>10/18/2021</a:t>
+              <a:t>11/17/2021</a:t>
             </a:fld>
             <a:endParaRPr lang="en-US"/>
           </a:p>
@@ -13186,10 +13186,7 @@
           </a:p>
           <a:p>
             <a:pPr algn="r"/>
-            <a:r>
-              <a:rPr lang="ru-RU" sz="1900" dirty="0"/>
-              <a:t>Камышева Екатерина</a:t>
-            </a:r>
+            <a:endParaRPr lang="ru-RU" sz="1900" dirty="0"/>
           </a:p>
           <a:p>
             <a:pPr algn="r"/>
